--- a/src/main/resources/exErd/세일즈.pptx
+++ b/src/main/resources/exErd/세일즈.pptx
@@ -296,7 +296,7 @@
           <a:p>
             <a:fld id="{8BCF7577-E21C-4E80-AC33-CAD08B86F885}" type="datetimeFigureOut">
               <a:rPr lang="ko-KR" altLang="en-US" smtClean="0"/>
-              <a:t>2017-11-03</a:t>
+              <a:t>2017-11-06</a:t>
             </a:fld>
             <a:endParaRPr lang="ko-KR" altLang="en-US"/>
           </a:p>
@@ -466,7 +466,7 @@
           <a:p>
             <a:fld id="{8BCF7577-E21C-4E80-AC33-CAD08B86F885}" type="datetimeFigureOut">
               <a:rPr lang="ko-KR" altLang="en-US" smtClean="0"/>
-              <a:t>2017-11-03</a:t>
+              <a:t>2017-11-06</a:t>
             </a:fld>
             <a:endParaRPr lang="ko-KR" altLang="en-US"/>
           </a:p>
@@ -646,7 +646,7 @@
           <a:p>
             <a:fld id="{8BCF7577-E21C-4E80-AC33-CAD08B86F885}" type="datetimeFigureOut">
               <a:rPr lang="ko-KR" altLang="en-US" smtClean="0"/>
-              <a:t>2017-11-03</a:t>
+              <a:t>2017-11-06</a:t>
             </a:fld>
             <a:endParaRPr lang="ko-KR" altLang="en-US"/>
           </a:p>
@@ -816,7 +816,7 @@
           <a:p>
             <a:fld id="{8BCF7577-E21C-4E80-AC33-CAD08B86F885}" type="datetimeFigureOut">
               <a:rPr lang="ko-KR" altLang="en-US" smtClean="0"/>
-              <a:t>2017-11-03</a:t>
+              <a:t>2017-11-06</a:t>
             </a:fld>
             <a:endParaRPr lang="ko-KR" altLang="en-US"/>
           </a:p>
@@ -1062,7 +1062,7 @@
           <a:p>
             <a:fld id="{8BCF7577-E21C-4E80-AC33-CAD08B86F885}" type="datetimeFigureOut">
               <a:rPr lang="ko-KR" altLang="en-US" smtClean="0"/>
-              <a:t>2017-11-03</a:t>
+              <a:t>2017-11-06</a:t>
             </a:fld>
             <a:endParaRPr lang="ko-KR" altLang="en-US"/>
           </a:p>
@@ -1350,7 +1350,7 @@
           <a:p>
             <a:fld id="{8BCF7577-E21C-4E80-AC33-CAD08B86F885}" type="datetimeFigureOut">
               <a:rPr lang="ko-KR" altLang="en-US" smtClean="0"/>
-              <a:t>2017-11-03</a:t>
+              <a:t>2017-11-06</a:t>
             </a:fld>
             <a:endParaRPr lang="ko-KR" altLang="en-US"/>
           </a:p>
@@ -1772,7 +1772,7 @@
           <a:p>
             <a:fld id="{8BCF7577-E21C-4E80-AC33-CAD08B86F885}" type="datetimeFigureOut">
               <a:rPr lang="ko-KR" altLang="en-US" smtClean="0"/>
-              <a:t>2017-11-03</a:t>
+              <a:t>2017-11-06</a:t>
             </a:fld>
             <a:endParaRPr lang="ko-KR" altLang="en-US"/>
           </a:p>
@@ -1890,7 +1890,7 @@
           <a:p>
             <a:fld id="{8BCF7577-E21C-4E80-AC33-CAD08B86F885}" type="datetimeFigureOut">
               <a:rPr lang="ko-KR" altLang="en-US" smtClean="0"/>
-              <a:t>2017-11-03</a:t>
+              <a:t>2017-11-06</a:t>
             </a:fld>
             <a:endParaRPr lang="ko-KR" altLang="en-US"/>
           </a:p>
@@ -1985,7 +1985,7 @@
           <a:p>
             <a:fld id="{8BCF7577-E21C-4E80-AC33-CAD08B86F885}" type="datetimeFigureOut">
               <a:rPr lang="ko-KR" altLang="en-US" smtClean="0"/>
-              <a:t>2017-11-03</a:t>
+              <a:t>2017-11-06</a:t>
             </a:fld>
             <a:endParaRPr lang="ko-KR" altLang="en-US"/>
           </a:p>
@@ -2262,7 +2262,7 @@
           <a:p>
             <a:fld id="{8BCF7577-E21C-4E80-AC33-CAD08B86F885}" type="datetimeFigureOut">
               <a:rPr lang="ko-KR" altLang="en-US" smtClean="0"/>
-              <a:t>2017-11-03</a:t>
+              <a:t>2017-11-06</a:t>
             </a:fld>
             <a:endParaRPr lang="ko-KR" altLang="en-US"/>
           </a:p>
@@ -2515,7 +2515,7 @@
           <a:p>
             <a:fld id="{8BCF7577-E21C-4E80-AC33-CAD08B86F885}" type="datetimeFigureOut">
               <a:rPr lang="ko-KR" altLang="en-US" smtClean="0"/>
-              <a:t>2017-11-03</a:t>
+              <a:t>2017-11-06</a:t>
             </a:fld>
             <a:endParaRPr lang="ko-KR" altLang="en-US"/>
           </a:p>
@@ -2728,7 +2728,7 @@
           <a:p>
             <a:fld id="{8BCF7577-E21C-4E80-AC33-CAD08B86F885}" type="datetimeFigureOut">
               <a:rPr lang="ko-KR" altLang="en-US" smtClean="0"/>
-              <a:t>2017-11-03</a:t>
+              <a:t>2017-11-06</a:t>
             </a:fld>
             <a:endParaRPr lang="ko-KR" altLang="en-US"/>
           </a:p>
@@ -7671,7 +7671,7 @@
         </p:nvSpPr>
         <p:spPr>
           <a:xfrm>
-            <a:off x="755576" y="1558679"/>
+            <a:off x="798708" y="1558679"/>
             <a:ext cx="1800200" cy="324036"/>
           </a:xfrm>
           <a:prstGeom prst="rect">
@@ -7828,7 +7828,7 @@
         </p:nvSpPr>
         <p:spPr>
           <a:xfrm>
-            <a:off x="1043608" y="5013176"/>
+            <a:off x="798708" y="3266982"/>
             <a:ext cx="1800200" cy="324036"/>
           </a:xfrm>
           <a:prstGeom prst="rect">
@@ -7858,7 +7858,7 @@
           <a:p>
             <a:pPr algn="ctr"/>
             <a:r>
-              <a:rPr lang="ko-KR" altLang="en-US" smtClean="0">
+              <a:rPr lang="ko-KR" altLang="en-US" dirty="0" smtClean="0">
                 <a:solidFill>
                   <a:schemeClr val="tx1"/>
                 </a:solidFill>
@@ -7881,7 +7881,7 @@
         </p:nvSpPr>
         <p:spPr>
           <a:xfrm>
-            <a:off x="1446780" y="5445224"/>
+            <a:off x="1201880" y="3699030"/>
             <a:ext cx="3240360" cy="324036"/>
           </a:xfrm>
           <a:prstGeom prst="rect">
@@ -7985,7 +7985,7 @@
         </p:nvSpPr>
         <p:spPr>
           <a:xfrm>
-            <a:off x="3160716" y="3140968"/>
+            <a:off x="798708" y="2446105"/>
             <a:ext cx="1800200" cy="324036"/>
           </a:xfrm>
           <a:prstGeom prst="rect">
@@ -8038,7 +8038,7 @@
         </p:nvSpPr>
         <p:spPr>
           <a:xfrm>
-            <a:off x="3563888" y="3573016"/>
+            <a:off x="1201880" y="2878153"/>
             <a:ext cx="3240360" cy="324036"/>
           </a:xfrm>
           <a:prstGeom prst="rect">
@@ -8142,7 +8142,7 @@
         </p:nvSpPr>
         <p:spPr>
           <a:xfrm>
-            <a:off x="2785829" y="4211850"/>
+            <a:off x="798708" y="4538045"/>
             <a:ext cx="5233162" cy="324036"/>
           </a:xfrm>
           <a:prstGeom prst="rect">
@@ -9252,15 +9252,7 @@
                   <a:schemeClr val="tx1"/>
                 </a:solidFill>
               </a:rPr>
-              <a:t>자사 </a:t>
-            </a:r>
-            <a:r>
-              <a:rPr lang="ko-KR" altLang="en-US" dirty="0" smtClean="0">
-                <a:solidFill>
-                  <a:schemeClr val="tx1"/>
-                </a:solidFill>
-              </a:rPr>
-              <a:t>거래내역관리</a:t>
+              <a:t>자사 거래내역관리</a:t>
             </a:r>
             <a:r>
               <a:rPr lang="en-US" altLang="ko-KR" dirty="0" smtClean="0">
